--- a/Slide/TRIWORLD.pptx
+++ b/Slide/TRIWORLD.pptx
@@ -284,7 +284,7 @@
           <a:p>
             <a:fld id="{4CDE23C7-78A4-413A-A84B-93D4CC0A9EB1}" type="datetimeFigureOut">
               <a:rPr lang="en-US" smtClean="0"/>
-              <a:t>5/13/2023</a:t>
+              <a:t>5/15/2023</a:t>
             </a:fld>
             <a:endParaRPr lang="en-US"/>
           </a:p>
@@ -338,7 +338,7 @@
           <a:p>
             <a:fld id="{6CB39E08-E0E5-4B1A-8F7D-08FE7678A3B6}" type="slidenum">
               <a:rPr lang="en-US" smtClean="0"/>
-              <a:t>‹#›</a:t>
+              <a:t>‹nº›</a:t>
             </a:fld>
             <a:endParaRPr lang="en-US"/>
           </a:p>
@@ -487,7 +487,7 @@
           <a:p>
             <a:fld id="{4CDE23C7-78A4-413A-A84B-93D4CC0A9EB1}" type="datetimeFigureOut">
               <a:rPr lang="en-US" smtClean="0"/>
-              <a:t>5/13/2023</a:t>
+              <a:t>5/15/2023</a:t>
             </a:fld>
             <a:endParaRPr lang="en-US"/>
           </a:p>
@@ -541,7 +541,7 @@
           <a:p>
             <a:fld id="{6CB39E08-E0E5-4B1A-8F7D-08FE7678A3B6}" type="slidenum">
               <a:rPr lang="en-US" smtClean="0"/>
-              <a:t>‹#›</a:t>
+              <a:t>‹nº›</a:t>
             </a:fld>
             <a:endParaRPr lang="en-US"/>
           </a:p>
@@ -695,7 +695,7 @@
           <a:p>
             <a:fld id="{4CDE23C7-78A4-413A-A84B-93D4CC0A9EB1}" type="datetimeFigureOut">
               <a:rPr lang="en-US" smtClean="0"/>
-              <a:t>5/13/2023</a:t>
+              <a:t>5/15/2023</a:t>
             </a:fld>
             <a:endParaRPr lang="en-US"/>
           </a:p>
@@ -749,7 +749,7 @@
           <a:p>
             <a:fld id="{6CB39E08-E0E5-4B1A-8F7D-08FE7678A3B6}" type="slidenum">
               <a:rPr lang="en-US" smtClean="0"/>
-              <a:t>‹#›</a:t>
+              <a:t>‹nº›</a:t>
             </a:fld>
             <a:endParaRPr lang="en-US"/>
           </a:p>
@@ -893,7 +893,7 @@
           <a:p>
             <a:fld id="{4CDE23C7-78A4-413A-A84B-93D4CC0A9EB1}" type="datetimeFigureOut">
               <a:rPr lang="en-US" smtClean="0"/>
-              <a:t>5/13/2023</a:t>
+              <a:t>5/15/2023</a:t>
             </a:fld>
             <a:endParaRPr lang="en-US"/>
           </a:p>
@@ -947,7 +947,7 @@
           <a:p>
             <a:fld id="{6CB39E08-E0E5-4B1A-8F7D-08FE7678A3B6}" type="slidenum">
               <a:rPr lang="en-US" smtClean="0"/>
-              <a:t>‹#›</a:t>
+              <a:t>‹nº›</a:t>
             </a:fld>
             <a:endParaRPr lang="en-US"/>
           </a:p>
@@ -1170,7 +1170,7 @@
           <a:p>
             <a:fld id="{4CDE23C7-78A4-413A-A84B-93D4CC0A9EB1}" type="datetimeFigureOut">
               <a:rPr lang="en-US" smtClean="0"/>
-              <a:t>5/13/2023</a:t>
+              <a:t>5/15/2023</a:t>
             </a:fld>
             <a:endParaRPr lang="en-US"/>
           </a:p>
@@ -1224,7 +1224,7 @@
           <a:p>
             <a:fld id="{6CB39E08-E0E5-4B1A-8F7D-08FE7678A3B6}" type="slidenum">
               <a:rPr lang="en-US" smtClean="0"/>
-              <a:t>‹#›</a:t>
+              <a:t>‹nº›</a:t>
             </a:fld>
             <a:endParaRPr lang="en-US"/>
           </a:p>
@@ -1435,7 +1435,7 @@
           <a:p>
             <a:fld id="{4CDE23C7-78A4-413A-A84B-93D4CC0A9EB1}" type="datetimeFigureOut">
               <a:rPr lang="en-US" smtClean="0"/>
-              <a:t>5/13/2023</a:t>
+              <a:t>5/15/2023</a:t>
             </a:fld>
             <a:endParaRPr lang="en-US"/>
           </a:p>
@@ -1489,7 +1489,7 @@
           <a:p>
             <a:fld id="{6CB39E08-E0E5-4B1A-8F7D-08FE7678A3B6}" type="slidenum">
               <a:rPr lang="en-US" smtClean="0"/>
-              <a:t>‹#›</a:t>
+              <a:t>‹nº›</a:t>
             </a:fld>
             <a:endParaRPr lang="en-US"/>
           </a:p>
@@ -1851,7 +1851,7 @@
           <a:p>
             <a:fld id="{4CDE23C7-78A4-413A-A84B-93D4CC0A9EB1}" type="datetimeFigureOut">
               <a:rPr lang="en-US" smtClean="0"/>
-              <a:t>5/13/2023</a:t>
+              <a:t>5/15/2023</a:t>
             </a:fld>
             <a:endParaRPr lang="en-US"/>
           </a:p>
@@ -1905,7 +1905,7 @@
           <a:p>
             <a:fld id="{6CB39E08-E0E5-4B1A-8F7D-08FE7678A3B6}" type="slidenum">
               <a:rPr lang="en-US" smtClean="0"/>
-              <a:t>‹#›</a:t>
+              <a:t>‹nº›</a:t>
             </a:fld>
             <a:endParaRPr lang="en-US"/>
           </a:p>
@@ -1992,7 +1992,7 @@
           <a:p>
             <a:fld id="{4CDE23C7-78A4-413A-A84B-93D4CC0A9EB1}" type="datetimeFigureOut">
               <a:rPr lang="en-US" smtClean="0"/>
-              <a:t>5/13/2023</a:t>
+              <a:t>5/15/2023</a:t>
             </a:fld>
             <a:endParaRPr lang="en-US"/>
           </a:p>
@@ -2046,7 +2046,7 @@
           <a:p>
             <a:fld id="{6CB39E08-E0E5-4B1A-8F7D-08FE7678A3B6}" type="slidenum">
               <a:rPr lang="en-US" smtClean="0"/>
-              <a:t>‹#›</a:t>
+              <a:t>‹nº›</a:t>
             </a:fld>
             <a:endParaRPr lang="en-US"/>
           </a:p>
@@ -2105,7 +2105,7 @@
           <a:p>
             <a:fld id="{4CDE23C7-78A4-413A-A84B-93D4CC0A9EB1}" type="datetimeFigureOut">
               <a:rPr lang="en-US" smtClean="0"/>
-              <a:t>5/13/2023</a:t>
+              <a:t>5/15/2023</a:t>
             </a:fld>
             <a:endParaRPr lang="en-US"/>
           </a:p>
@@ -2159,7 +2159,7 @@
           <a:p>
             <a:fld id="{6CB39E08-E0E5-4B1A-8F7D-08FE7678A3B6}" type="slidenum">
               <a:rPr lang="en-US" smtClean="0"/>
-              <a:t>‹#›</a:t>
+              <a:t>‹nº›</a:t>
             </a:fld>
             <a:endParaRPr lang="en-US"/>
           </a:p>
@@ -2416,7 +2416,7 @@
           <a:p>
             <a:fld id="{4CDE23C7-78A4-413A-A84B-93D4CC0A9EB1}" type="datetimeFigureOut">
               <a:rPr lang="en-US" smtClean="0"/>
-              <a:t>5/13/2023</a:t>
+              <a:t>5/15/2023</a:t>
             </a:fld>
             <a:endParaRPr lang="en-US"/>
           </a:p>
@@ -2470,7 +2470,7 @@
           <a:p>
             <a:fld id="{6CB39E08-E0E5-4B1A-8F7D-08FE7678A3B6}" type="slidenum">
               <a:rPr lang="en-US" smtClean="0"/>
-              <a:t>‹#›</a:t>
+              <a:t>‹nº›</a:t>
             </a:fld>
             <a:endParaRPr lang="en-US"/>
           </a:p>
@@ -2704,7 +2704,7 @@
           <a:p>
             <a:fld id="{4CDE23C7-78A4-413A-A84B-93D4CC0A9EB1}" type="datetimeFigureOut">
               <a:rPr lang="en-US" smtClean="0"/>
-              <a:t>5/13/2023</a:t>
+              <a:t>5/15/2023</a:t>
             </a:fld>
             <a:endParaRPr lang="en-US"/>
           </a:p>
@@ -2758,7 +2758,7 @@
           <a:p>
             <a:fld id="{6CB39E08-E0E5-4B1A-8F7D-08FE7678A3B6}" type="slidenum">
               <a:rPr lang="en-US" smtClean="0"/>
-              <a:t>‹#›</a:t>
+              <a:t>‹nº›</a:t>
             </a:fld>
             <a:endParaRPr lang="en-US"/>
           </a:p>
@@ -2944,7 +2944,7 @@
             <a:fld id="{4CDE23C7-78A4-413A-A84B-93D4CC0A9EB1}" type="datetimeFigureOut">
               <a:rPr lang="en-US" smtClean="0"/>
               <a:pPr/>
-              <a:t>5/13/2023</a:t>
+              <a:t>5/15/2023</a:t>
             </a:fld>
             <a:endParaRPr lang="en-US" dirty="0"/>
           </a:p>
@@ -3031,7 +3031,7 @@
             <a:fld id="{6CB39E08-E0E5-4B1A-8F7D-08FE7678A3B6}" type="slidenum">
               <a:rPr lang="en-US" smtClean="0"/>
               <a:pPr/>
-              <a:t>‹#›</a:t>
+              <a:t>‹nº›</a:t>
             </a:fld>
             <a:endParaRPr lang="en-US"/>
           </a:p>
@@ -4299,7 +4299,7 @@
                   <a:spcPts val="600"/>
                 </a:spcAft>
               </a:pPr>
-              <a:t>5/13/2023</a:t>
+              <a:t>5/15/2023</a:t>
             </a:fld>
             <a:endParaRPr lang="en-US"/>
           </a:p>
@@ -4361,13 +4361,13 @@
   <p:clrMapOvr>
     <a:masterClrMapping/>
   </p:clrMapOvr>
-  <mc:AlternateContent xmlns:mc="http://schemas.openxmlformats.org/markup-compatibility/2006">
-    <mc:Choice xmlns:p15="http://schemas.microsoft.com/office/powerpoint/2012/main" Requires="p15">
+  <mc:AlternateContent xmlns:mc="http://schemas.openxmlformats.org/markup-compatibility/2006" xmlns:p15="http://schemas.microsoft.com/office/powerpoint/2012/main">
+    <mc:Choice Requires="p15">
       <p:transition xmlns:p14="http://schemas.microsoft.com/office/powerpoint/2010/main" spd="slow" p14:dur="1250">
         <p15:prstTrans prst="airplane"/>
       </p:transition>
     </mc:Choice>
-    <mc:Fallback>
+    <mc:Fallback xmlns="">
       <p:transition spd="slow">
         <p:fade/>
       </p:transition>
@@ -4616,7 +4616,7 @@
                   <a:spcPts val="600"/>
                 </a:spcAft>
               </a:pPr>
-              <a:t>5/13/2023</a:t>
+              <a:t>5/15/2023</a:t>
             </a:fld>
             <a:endParaRPr lang="en-US" dirty="0"/>
           </a:p>
@@ -4676,13 +4676,13 @@
   <p:clrMapOvr>
     <a:masterClrMapping/>
   </p:clrMapOvr>
-  <mc:AlternateContent xmlns:mc="http://schemas.openxmlformats.org/markup-compatibility/2006">
-    <mc:Choice xmlns:p15="http://schemas.microsoft.com/office/powerpoint/2012/main" Requires="p15">
+  <mc:AlternateContent xmlns:mc="http://schemas.openxmlformats.org/markup-compatibility/2006" xmlns:p15="http://schemas.microsoft.com/office/powerpoint/2012/main">
+    <mc:Choice Requires="p15">
       <p:transition xmlns:p14="http://schemas.microsoft.com/office/powerpoint/2010/main" spd="slow" p14:dur="1250">
         <p15:prstTrans prst="airplane"/>
       </p:transition>
     </mc:Choice>
-    <mc:Fallback>
+    <mc:Fallback xmlns="">
       <p:transition spd="slow">
         <p:fade/>
       </p:transition>
@@ -4913,7 +4913,7 @@
                   <a:spcPts val="600"/>
                 </a:spcAft>
               </a:pPr>
-              <a:t>5/13/2023</a:t>
+              <a:t>5/15/2023</a:t>
             </a:fld>
             <a:endParaRPr lang="en-US" dirty="0"/>
           </a:p>
@@ -4973,13 +4973,13 @@
   <p:clrMapOvr>
     <a:masterClrMapping/>
   </p:clrMapOvr>
-  <mc:AlternateContent xmlns:mc="http://schemas.openxmlformats.org/markup-compatibility/2006">
-    <mc:Choice xmlns:p15="http://schemas.microsoft.com/office/powerpoint/2012/main" Requires="p15">
+  <mc:AlternateContent xmlns:mc="http://schemas.openxmlformats.org/markup-compatibility/2006" xmlns:p15="http://schemas.microsoft.com/office/powerpoint/2012/main">
+    <mc:Choice Requires="p15">
       <p:transition xmlns:p14="http://schemas.microsoft.com/office/powerpoint/2010/main" spd="slow" p14:dur="1250">
         <p15:prstTrans prst="airplane"/>
       </p:transition>
     </mc:Choice>
-    <mc:Fallback>
+    <mc:Fallback xmlns="">
       <p:transition spd="slow">
         <p:fade/>
       </p:transition>
@@ -5051,7 +5051,7 @@
             </a:r>
             <a:r>
               <a:rPr lang="en-US" sz="3600" dirty="0" err="1"/>
-              <a:t>finas</a:t>
+              <a:t>finais</a:t>
             </a:r>
             <a:r>
               <a:rPr lang="en-US" sz="3600" dirty="0"/>
@@ -5165,7 +5165,7 @@
                   <a:spcPts val="600"/>
                 </a:spcAft>
               </a:pPr>
-              <a:t>5/13/2023</a:t>
+              <a:t>5/15/2023</a:t>
             </a:fld>
             <a:endParaRPr lang="en-US"/>
           </a:p>
@@ -5225,13 +5225,13 @@
   <p:clrMapOvr>
     <a:masterClrMapping/>
   </p:clrMapOvr>
-  <mc:AlternateContent xmlns:mc="http://schemas.openxmlformats.org/markup-compatibility/2006">
-    <mc:Choice xmlns:p15="http://schemas.microsoft.com/office/powerpoint/2012/main" Requires="p15">
+  <mc:AlternateContent xmlns:mc="http://schemas.openxmlformats.org/markup-compatibility/2006" xmlns:p15="http://schemas.microsoft.com/office/powerpoint/2012/main">
+    <mc:Choice Requires="p15">
       <p:transition xmlns:p14="http://schemas.microsoft.com/office/powerpoint/2010/main" spd="slow" p14:dur="1250">
         <p15:prstTrans prst="airplane"/>
       </p:transition>
     </mc:Choice>
-    <mc:Fallback>
+    <mc:Fallback xmlns="">
       <p:transition spd="slow">
         <p:fade/>
       </p:transition>
@@ -5440,7 +5440,7 @@
                   <a:spcPts val="600"/>
                 </a:spcAft>
               </a:pPr>
-              <a:t>5/13/2023</a:t>
+              <a:t>5/15/2023</a:t>
             </a:fld>
             <a:endParaRPr lang="en-US" dirty="0"/>
           </a:p>
@@ -5500,13 +5500,13 @@
   <p:clrMapOvr>
     <a:masterClrMapping/>
   </p:clrMapOvr>
-  <mc:AlternateContent xmlns:mc="http://schemas.openxmlformats.org/markup-compatibility/2006">
-    <mc:Choice xmlns:p15="http://schemas.microsoft.com/office/powerpoint/2012/main" Requires="p15">
+  <mc:AlternateContent xmlns:mc="http://schemas.openxmlformats.org/markup-compatibility/2006" xmlns:p15="http://schemas.microsoft.com/office/powerpoint/2012/main">
+    <mc:Choice Requires="p15">
       <p:transition xmlns:p14="http://schemas.microsoft.com/office/powerpoint/2010/main" spd="slow" p14:dur="1250">
         <p15:prstTrans prst="airplane"/>
       </p:transition>
     </mc:Choice>
-    <mc:Fallback>
+    <mc:Fallback xmlns="">
       <p:transition spd="slow">
         <p:fade/>
       </p:transition>
@@ -5692,7 +5692,7 @@
                   <a:spcPts val="600"/>
                 </a:spcAft>
               </a:pPr>
-              <a:t>5/13/2023</a:t>
+              <a:t>5/15/2023</a:t>
             </a:fld>
             <a:endParaRPr lang="en-US">
               <a:effectLst>
@@ -5778,13 +5778,13 @@
   <p:clrMapOvr>
     <a:masterClrMapping/>
   </p:clrMapOvr>
-  <mc:AlternateContent xmlns:mc="http://schemas.openxmlformats.org/markup-compatibility/2006">
-    <mc:Choice xmlns:p15="http://schemas.microsoft.com/office/powerpoint/2012/main" Requires="p15">
+  <mc:AlternateContent xmlns:mc="http://schemas.openxmlformats.org/markup-compatibility/2006" xmlns:p15="http://schemas.microsoft.com/office/powerpoint/2012/main">
+    <mc:Choice Requires="p15">
       <p:transition xmlns:p14="http://schemas.microsoft.com/office/powerpoint/2010/main" spd="slow" p14:dur="1250">
         <p15:prstTrans prst="airplane"/>
       </p:transition>
     </mc:Choice>
-    <mc:Fallback>
+    <mc:Fallback xmlns="">
       <p:transition spd="slow">
         <p:fade/>
       </p:transition>
@@ -5951,7 +5951,7 @@
                   <a:spcPts val="600"/>
                 </a:spcAft>
               </a:pPr>
-              <a:t>5/13/2023</a:t>
+              <a:t>5/15/2023</a:t>
             </a:fld>
             <a:endParaRPr lang="en-US" dirty="0"/>
           </a:p>
@@ -6011,13 +6011,13 @@
   <p:clrMapOvr>
     <a:masterClrMapping/>
   </p:clrMapOvr>
-  <mc:AlternateContent xmlns:mc="http://schemas.openxmlformats.org/markup-compatibility/2006">
-    <mc:Choice xmlns:p15="http://schemas.microsoft.com/office/powerpoint/2012/main" Requires="p15">
+  <mc:AlternateContent xmlns:mc="http://schemas.openxmlformats.org/markup-compatibility/2006" xmlns:p15="http://schemas.microsoft.com/office/powerpoint/2012/main">
+    <mc:Choice Requires="p15">
       <p:transition xmlns:p14="http://schemas.microsoft.com/office/powerpoint/2010/main" spd="slow" p14:dur="1250">
         <p15:prstTrans prst="airplane"/>
       </p:transition>
     </mc:Choice>
-    <mc:Fallback>
+    <mc:Fallback xmlns="">
       <p:transition spd="slow">
         <p:fade/>
       </p:transition>
@@ -6277,7 +6277,7 @@
                   <a:spcPts val="600"/>
                 </a:spcAft>
               </a:pPr>
-              <a:t>5/13/2023</a:t>
+              <a:t>5/15/2023</a:t>
             </a:fld>
             <a:endParaRPr lang="en-US" dirty="0"/>
           </a:p>
@@ -6337,13 +6337,13 @@
   <p:clrMapOvr>
     <a:masterClrMapping/>
   </p:clrMapOvr>
-  <mc:AlternateContent xmlns:mc="http://schemas.openxmlformats.org/markup-compatibility/2006">
-    <mc:Choice xmlns:p15="http://schemas.microsoft.com/office/powerpoint/2012/main" Requires="p15">
+  <mc:AlternateContent xmlns:mc="http://schemas.openxmlformats.org/markup-compatibility/2006" xmlns:p15="http://schemas.microsoft.com/office/powerpoint/2012/main">
+    <mc:Choice Requires="p15">
       <p:transition xmlns:p14="http://schemas.microsoft.com/office/powerpoint/2010/main" spd="slow" p14:dur="1250">
         <p15:prstTrans prst="airplane"/>
       </p:transition>
     </mc:Choice>
-    <mc:Fallback>
+    <mc:Fallback xmlns="">
       <p:transition spd="slow">
         <p:fade/>
       </p:transition>
@@ -6529,7 +6529,7 @@
                   <a:spcPts val="600"/>
                 </a:spcAft>
               </a:pPr>
-              <a:t>5/13/2023</a:t>
+              <a:t>5/15/2023</a:t>
             </a:fld>
             <a:endParaRPr lang="en-US">
               <a:effectLst>
@@ -6615,13 +6615,13 @@
   <p:clrMapOvr>
     <a:masterClrMapping/>
   </p:clrMapOvr>
-  <mc:AlternateContent xmlns:mc="http://schemas.openxmlformats.org/markup-compatibility/2006">
-    <mc:Choice xmlns:p15="http://schemas.microsoft.com/office/powerpoint/2012/main" Requires="p15">
+  <mc:AlternateContent xmlns:mc="http://schemas.openxmlformats.org/markup-compatibility/2006" xmlns:p15="http://schemas.microsoft.com/office/powerpoint/2012/main">
+    <mc:Choice Requires="p15">
       <p:transition xmlns:p14="http://schemas.microsoft.com/office/powerpoint/2010/main" spd="slow" p14:dur="1250">
         <p15:prstTrans prst="airplane"/>
       </p:transition>
     </mc:Choice>
-    <mc:Fallback>
+    <mc:Fallback xmlns="">
       <p:transition spd="slow">
         <p:fade/>
       </p:transition>
@@ -7019,7 +7019,7 @@
                   <a:spcPts val="600"/>
                 </a:spcAft>
               </a:pPr>
-              <a:t>5/13/2023</a:t>
+              <a:t>5/15/2023</a:t>
             </a:fld>
             <a:endParaRPr lang="en-US"/>
           </a:p>
@@ -7079,13 +7079,13 @@
   <p:clrMapOvr>
     <a:masterClrMapping/>
   </p:clrMapOvr>
-  <mc:AlternateContent xmlns:mc="http://schemas.openxmlformats.org/markup-compatibility/2006">
-    <mc:Choice xmlns:p15="http://schemas.microsoft.com/office/powerpoint/2012/main" Requires="p15">
+  <mc:AlternateContent xmlns:mc="http://schemas.openxmlformats.org/markup-compatibility/2006" xmlns:p15="http://schemas.microsoft.com/office/powerpoint/2012/main">
+    <mc:Choice Requires="p15">
       <p:transition xmlns:p14="http://schemas.microsoft.com/office/powerpoint/2010/main" spd="slow" p14:dur="1250">
         <p15:prstTrans prst="airplane"/>
       </p:transition>
     </mc:Choice>
-    <mc:Fallback>
+    <mc:Fallback xmlns="">
       <p:transition spd="slow">
         <p:fade/>
       </p:transition>
@@ -7296,7 +7296,7 @@
                   <a:spcPts val="600"/>
                 </a:spcAft>
               </a:pPr>
-              <a:t>5/13/2023</a:t>
+              <a:t>5/15/2023</a:t>
             </a:fld>
             <a:endParaRPr lang="en-US"/>
           </a:p>
@@ -7356,13 +7356,13 @@
   <p:clrMapOvr>
     <a:masterClrMapping/>
   </p:clrMapOvr>
-  <mc:AlternateContent xmlns:mc="http://schemas.openxmlformats.org/markup-compatibility/2006">
-    <mc:Choice xmlns:p15="http://schemas.microsoft.com/office/powerpoint/2012/main" Requires="p15">
+  <mc:AlternateContent xmlns:mc="http://schemas.openxmlformats.org/markup-compatibility/2006" xmlns:p15="http://schemas.microsoft.com/office/powerpoint/2012/main">
+    <mc:Choice Requires="p15">
       <p:transition xmlns:p14="http://schemas.microsoft.com/office/powerpoint/2010/main" spd="slow" p14:dur="1250">
         <p15:prstTrans prst="airplane"/>
       </p:transition>
     </mc:Choice>
-    <mc:Fallback>
+    <mc:Fallback xmlns="">
       <p:transition spd="slow">
         <p:fade/>
       </p:transition>
@@ -7529,7 +7529,7 @@
                   <a:spcPts val="600"/>
                 </a:spcAft>
               </a:pPr>
-              <a:t>5/13/2023</a:t>
+              <a:t>5/15/2023</a:t>
             </a:fld>
             <a:endParaRPr lang="en-US"/>
           </a:p>
@@ -7589,13 +7589,13 @@
   <p:clrMapOvr>
     <a:masterClrMapping/>
   </p:clrMapOvr>
-  <mc:AlternateContent xmlns:mc="http://schemas.openxmlformats.org/markup-compatibility/2006">
-    <mc:Choice xmlns:p15="http://schemas.microsoft.com/office/powerpoint/2012/main" Requires="p15">
+  <mc:AlternateContent xmlns:mc="http://schemas.openxmlformats.org/markup-compatibility/2006" xmlns:p15="http://schemas.microsoft.com/office/powerpoint/2012/main">
+    <mc:Choice Requires="p15">
       <p:transition xmlns:p14="http://schemas.microsoft.com/office/powerpoint/2010/main" spd="slow" p14:dur="1250">
         <p15:prstTrans prst="airplane"/>
       </p:transition>
     </mc:Choice>
-    <mc:Fallback>
+    <mc:Fallback xmlns="">
       <p:transition spd="slow">
         <p:fade/>
       </p:transition>
@@ -7762,7 +7762,7 @@
                   <a:spcPts val="600"/>
                 </a:spcAft>
               </a:pPr>
-              <a:t>5/13/2023</a:t>
+              <a:t>5/15/2023</a:t>
             </a:fld>
             <a:endParaRPr lang="en-US"/>
           </a:p>
@@ -7822,13 +7822,13 @@
   <p:clrMapOvr>
     <a:masterClrMapping/>
   </p:clrMapOvr>
-  <mc:AlternateContent xmlns:mc="http://schemas.openxmlformats.org/markup-compatibility/2006">
-    <mc:Choice xmlns:p15="http://schemas.microsoft.com/office/powerpoint/2012/main" Requires="p15">
+  <mc:AlternateContent xmlns:mc="http://schemas.openxmlformats.org/markup-compatibility/2006" xmlns:p15="http://schemas.microsoft.com/office/powerpoint/2012/main">
+    <mc:Choice Requires="p15">
       <p:transition xmlns:p14="http://schemas.microsoft.com/office/powerpoint/2010/main" spd="slow" p14:dur="1250">
         <p15:prstTrans prst="airplane"/>
       </p:transition>
     </mc:Choice>
-    <mc:Fallback>
+    <mc:Fallback xmlns="">
       <p:transition spd="slow">
         <p:fade/>
       </p:transition>
